--- a/ЗАЩИТА.pptx
+++ b/ЗАЩИТА.pptx
@@ -5,7 +5,7 @@
     <p:sldMasterId id="2147483648" r:id="rId1"/>
   </p:sldMasterIdLst>
   <p:notesMasterIdLst>
-    <p:notesMasterId r:id="rId14"/>
+    <p:notesMasterId r:id="rId13"/>
   </p:notesMasterIdLst>
   <p:sldIdLst>
     <p:sldId id="256" r:id="rId2"/>
@@ -15,11 +15,10 @@
     <p:sldId id="259" r:id="rId6"/>
     <p:sldId id="260" r:id="rId7"/>
     <p:sldId id="261" r:id="rId8"/>
-    <p:sldId id="262" r:id="rId9"/>
-    <p:sldId id="263" r:id="rId10"/>
-    <p:sldId id="264" r:id="rId11"/>
-    <p:sldId id="265" r:id="rId12"/>
-    <p:sldId id="266" r:id="rId13"/>
+    <p:sldId id="263" r:id="rId9"/>
+    <p:sldId id="264" r:id="rId10"/>
+    <p:sldId id="265" r:id="rId11"/>
+    <p:sldId id="266" r:id="rId12"/>
   </p:sldIdLst>
   <p:sldSz cx="12192000" cy="6858000"/>
   <p:notesSz cx="6858000" cy="9144000"/>
@@ -3727,7 +3726,7 @@
               <a:rPr lang="ru-RU" dirty="0" smtClean="0">
                 <a:latin typeface="Segoe UI Light" panose="020B0502040204020203" pitchFamily="34" charset="0"/>
               </a:rPr>
-              <a:t>Средства разработки</a:t>
+              <a:t>Сведения о программе</a:t>
             </a:r>
             <a:endParaRPr lang="ru-RU" dirty="0">
               <a:latin typeface="Segoe UI Light" panose="020B0502040204020203" pitchFamily="34" charset="0"/>
@@ -3748,13 +3747,11 @@
         <p:spPr>
           <a:xfrm>
             <a:off x="1195387" y="1868488"/>
-            <a:ext cx="9801226" cy="4318000"/>
+            <a:ext cx="9801226" cy="3803650"/>
           </a:xfrm>
         </p:spPr>
         <p:txBody>
-          <a:bodyPr>
-            <a:normAutofit lnSpcReduction="10000"/>
-          </a:bodyPr>
+          <a:bodyPr/>
           <a:lstStyle/>
           <a:p>
             <a:pPr algn="just">
@@ -3766,41 +3763,8 @@
               <a:rPr lang="ru-RU" dirty="0" smtClean="0">
                 <a:latin typeface="Segoe UI Light" panose="020B0502040204020203" pitchFamily="34" charset="0"/>
               </a:rPr>
-              <a:t>ОС: </a:t>
-            </a:r>
-            <a:r>
-              <a:rPr lang="ru-RU" dirty="0" err="1">
-                <a:latin typeface="Segoe UI Light" panose="020B0502040204020203" pitchFamily="34" charset="0"/>
-              </a:rPr>
-              <a:t>Microsoft</a:t>
-            </a:r>
-            <a:r>
-              <a:rPr lang="ru-RU" dirty="0">
-                <a:latin typeface="Segoe UI Light" panose="020B0502040204020203" pitchFamily="34" charset="0"/>
-              </a:rPr>
-              <a:t> </a:t>
-            </a:r>
-            <a:r>
-              <a:rPr lang="ru-RU" dirty="0" err="1">
-                <a:latin typeface="Segoe UI Light" panose="020B0502040204020203" pitchFamily="34" charset="0"/>
-              </a:rPr>
-              <a:t>Windows</a:t>
-            </a:r>
-            <a:r>
-              <a:rPr lang="ru-RU" dirty="0">
-                <a:latin typeface="Segoe UI Light" panose="020B0502040204020203" pitchFamily="34" charset="0"/>
-              </a:rPr>
-              <a:t> 7 </a:t>
-            </a:r>
-            <a:r>
-              <a:rPr lang="en-US" dirty="0" smtClean="0">
-                <a:latin typeface="Segoe UI Light" panose="020B0502040204020203" pitchFamily="34" charset="0"/>
-              </a:rPr>
-              <a:t>Professional.</a:t>
-            </a:r>
-            <a:endParaRPr lang="ru-RU" dirty="0">
-              <a:latin typeface="Segoe UI Light" panose="020B0502040204020203" pitchFamily="34" charset="0"/>
-            </a:endParaRPr>
+              <a:t>Количество написанных классов: 11 классов.</a:t>
+            </a:r>
           </a:p>
           <a:p>
             <a:pPr algn="just">
@@ -3812,17 +3776,8 @@
               <a:rPr lang="ru-RU" dirty="0" smtClean="0">
                 <a:latin typeface="Segoe UI Light" panose="020B0502040204020203" pitchFamily="34" charset="0"/>
               </a:rPr>
-              <a:t>Среда разработки: </a:t>
-            </a:r>
-            <a:r>
-              <a:rPr lang="en-US" dirty="0" smtClean="0">
-                <a:latin typeface="Segoe UI Light" panose="020B0502040204020203" pitchFamily="34" charset="0"/>
-              </a:rPr>
-              <a:t>Visual Studio Professional 2013.</a:t>
-            </a:r>
-            <a:endParaRPr lang="ru-RU" dirty="0">
-              <a:latin typeface="Segoe UI Light" panose="020B0502040204020203" pitchFamily="34" charset="0"/>
-            </a:endParaRPr>
+              <a:t>Количество модифицированных классов: 5 классов.</a:t>
+            </a:r>
           </a:p>
           <a:p>
             <a:pPr algn="just">
@@ -3834,13 +3789,7 @@
               <a:rPr lang="ru-RU" dirty="0" smtClean="0">
                 <a:latin typeface="Segoe UI Light" panose="020B0502040204020203" pitchFamily="34" charset="0"/>
               </a:rPr>
-              <a:t>Язык программирования: </a:t>
-            </a:r>
-            <a:r>
-              <a:rPr lang="en-US" dirty="0" smtClean="0">
-                <a:latin typeface="Segoe UI Light" panose="020B0502040204020203" pitchFamily="34" charset="0"/>
-              </a:rPr>
-              <a:t>C#.</a:t>
+              <a:t>Количество окон: 5 окон.</a:t>
             </a:r>
           </a:p>
           <a:p>
@@ -3853,25 +3802,19 @@
               <a:rPr lang="ru-RU" dirty="0" smtClean="0">
                 <a:latin typeface="Segoe UI Light" panose="020B0502040204020203" pitchFamily="34" charset="0"/>
               </a:rPr>
-              <a:t>Платформа: </a:t>
-            </a:r>
-            <a:r>
-              <a:rPr lang="en-US" dirty="0">
-                <a:latin typeface="Segoe UI Light" panose="020B0502040204020203" pitchFamily="34" charset="0"/>
-              </a:rPr>
-              <a:t>.NET Framework </a:t>
+              <a:t>Количество строк кода: </a:t>
             </a:r>
             <a:r>
               <a:rPr lang="en-US" dirty="0" smtClean="0">
                 <a:latin typeface="Segoe UI Light" panose="020B0502040204020203" pitchFamily="34" charset="0"/>
               </a:rPr>
-              <a:t>3.5</a:t>
+              <a:t>~1600</a:t>
             </a:r>
             <a:r>
               <a:rPr lang="ru-RU" dirty="0" smtClean="0">
                 <a:latin typeface="Segoe UI Light" panose="020B0502040204020203" pitchFamily="34" charset="0"/>
               </a:rPr>
-              <a:t>.</a:t>
+              <a:t> строк.</a:t>
             </a:r>
           </a:p>
           <a:p>
@@ -3884,128 +3827,12 @@
               <a:rPr lang="ru-RU" dirty="0" smtClean="0">
                 <a:latin typeface="Segoe UI Light" panose="020B0502040204020203" pitchFamily="34" charset="0"/>
               </a:rPr>
-              <a:t>Средство </a:t>
-            </a:r>
-            <a:r>
-              <a:rPr lang="ru-RU" dirty="0">
-                <a:latin typeface="Segoe UI Light" panose="020B0502040204020203" pitchFamily="34" charset="0"/>
-              </a:rPr>
-              <a:t>для создания </a:t>
-            </a:r>
-            <a:r>
-              <a:rPr lang="ru-RU" dirty="0" smtClean="0">
-                <a:latin typeface="Segoe UI Light" panose="020B0502040204020203" pitchFamily="34" charset="0"/>
-              </a:rPr>
-              <a:t>инсталлятора: SMART </a:t>
-            </a:r>
-            <a:r>
-              <a:rPr lang="ru-RU" dirty="0">
-                <a:latin typeface="Segoe UI Light" panose="020B0502040204020203" pitchFamily="34" charset="0"/>
-              </a:rPr>
-              <a:t>INSTALL </a:t>
-            </a:r>
-            <a:r>
-              <a:rPr lang="ru-RU" dirty="0" smtClean="0">
-                <a:latin typeface="Segoe UI Light" panose="020B0502040204020203" pitchFamily="34" charset="0"/>
-              </a:rPr>
-              <a:t>MAKER.</a:t>
+              <a:t>Общее количество методов: 22 метода.</a:t>
             </a:r>
             <a:endParaRPr lang="ru-RU" dirty="0">
               <a:latin typeface="Segoe UI Light" panose="020B0502040204020203" pitchFamily="34" charset="0"/>
             </a:endParaRPr>
           </a:p>
-          <a:p>
-            <a:pPr algn="just">
-              <a:tabLst>
-                <a:tab pos="12015788" algn="l"/>
-              </a:tabLst>
-            </a:pPr>
-            <a:r>
-              <a:rPr lang="ru-RU" dirty="0">
-                <a:latin typeface="Segoe UI Light" panose="020B0502040204020203" pitchFamily="34" charset="0"/>
-              </a:rPr>
-              <a:t>Для создания документации использовались средства </a:t>
-            </a:r>
-            <a:r>
-              <a:rPr lang="ru-RU" dirty="0" err="1">
-                <a:latin typeface="Segoe UI Light" panose="020B0502040204020203" pitchFamily="34" charset="0"/>
-              </a:rPr>
-              <a:t>Microsoft</a:t>
-            </a:r>
-            <a:r>
-              <a:rPr lang="ru-RU" dirty="0">
-                <a:latin typeface="Segoe UI Light" panose="020B0502040204020203" pitchFamily="34" charset="0"/>
-              </a:rPr>
-              <a:t> </a:t>
-            </a:r>
-            <a:r>
-              <a:rPr lang="ru-RU" dirty="0" err="1">
-                <a:latin typeface="Segoe UI Light" panose="020B0502040204020203" pitchFamily="34" charset="0"/>
-              </a:rPr>
-              <a:t>Office</a:t>
-            </a:r>
-            <a:r>
-              <a:rPr lang="ru-RU" dirty="0">
-                <a:latin typeface="Segoe UI Light" panose="020B0502040204020203" pitchFamily="34" charset="0"/>
-              </a:rPr>
-              <a:t> </a:t>
-            </a:r>
-            <a:r>
-              <a:rPr lang="ru-RU" dirty="0" smtClean="0">
-                <a:latin typeface="Segoe UI Light" panose="020B0502040204020203" pitchFamily="34" charset="0"/>
-              </a:rPr>
-              <a:t>20</a:t>
-            </a:r>
-            <a:r>
-              <a:rPr lang="en-US" dirty="0" smtClean="0">
-                <a:latin typeface="Segoe UI Light" panose="020B0502040204020203" pitchFamily="34" charset="0"/>
-              </a:rPr>
-              <a:t>13</a:t>
-            </a:r>
-            <a:r>
-              <a:rPr lang="ru-RU" dirty="0" smtClean="0">
-                <a:latin typeface="Segoe UI Light" panose="020B0502040204020203" pitchFamily="34" charset="0"/>
-              </a:rPr>
-              <a:t>.</a:t>
-            </a:r>
-            <a:endParaRPr lang="ru-RU" dirty="0">
-              <a:latin typeface="Segoe UI Light" panose="020B0502040204020203" pitchFamily="34" charset="0"/>
-            </a:endParaRPr>
-          </a:p>
-          <a:p>
-            <a:pPr algn="just">
-              <a:tabLst>
-                <a:tab pos="12015788" algn="l"/>
-              </a:tabLst>
-            </a:pPr>
-            <a:r>
-              <a:rPr lang="ru-RU" dirty="0">
-                <a:latin typeface="Segoe UI Light" panose="020B0502040204020203" pitchFamily="34" charset="0"/>
-              </a:rPr>
-              <a:t>Для создания инструкции использовался </a:t>
-            </a:r>
-            <a:r>
-              <a:rPr lang="ru-RU" dirty="0" err="1">
-                <a:latin typeface="Segoe UI Light" panose="020B0502040204020203" pitchFamily="34" charset="0"/>
-              </a:rPr>
-              <a:t>Notepad</a:t>
-            </a:r>
-            <a:r>
-              <a:rPr lang="ru-RU" dirty="0">
-                <a:latin typeface="Segoe UI Light" panose="020B0502040204020203" pitchFamily="34" charset="0"/>
-              </a:rPr>
-              <a:t>++ версия </a:t>
-            </a:r>
-            <a:r>
-              <a:rPr lang="ru-RU" dirty="0" smtClean="0">
-                <a:latin typeface="Segoe UI Light" panose="020B0502040204020203" pitchFamily="34" charset="0"/>
-              </a:rPr>
-              <a:t>6.5.</a:t>
-            </a:r>
-            <a:endParaRPr lang="ru-RU" dirty="0">
-              <a:latin typeface="Segoe UI Light" panose="020B0502040204020203" pitchFamily="34" charset="0"/>
-            </a:endParaRPr>
-          </a:p>
         </p:txBody>
       </p:sp>
       <p:sp>
@@ -4034,7 +3861,7 @@
     </p:spTree>
     <p:extLst>
       <p:ext uri="{BB962C8B-B14F-4D97-AF65-F5344CB8AC3E}">
-        <p14:creationId xmlns:p14="http://schemas.microsoft.com/office/powerpoint/2010/main" val="3644980007"/>
+        <p14:creationId xmlns:p14="http://schemas.microsoft.com/office/powerpoint/2010/main" val="3483613574"/>
       </p:ext>
     </p:extLst>
   </p:cSld>
@@ -4093,7 +3920,7 @@
               <a:rPr lang="ru-RU" dirty="0" smtClean="0">
                 <a:latin typeface="Segoe UI Light" panose="020B0502040204020203" pitchFamily="34" charset="0"/>
               </a:rPr>
-              <a:t>Сведения о программе</a:t>
+              <a:t>Заключение</a:t>
             </a:r>
             <a:endParaRPr lang="ru-RU" dirty="0">
               <a:latin typeface="Segoe UI Light" panose="020B0502040204020203" pitchFamily="34" charset="0"/>
@@ -4121,89 +3948,35 @@
           <a:bodyPr/>
           <a:lstStyle/>
           <a:p>
-            <a:pPr algn="just">
+            <a:pPr marL="0" indent="357188" algn="just">
+              <a:buNone/>
               <a:tabLst>
                 <a:tab pos="12015788" algn="l"/>
               </a:tabLst>
             </a:pPr>
             <a:r>
+              <a:rPr lang="ru-RU" dirty="0">
+                <a:latin typeface="Segoe UI Light" panose="020B0502040204020203" pitchFamily="34" charset="0"/>
+              </a:rPr>
+              <a:t>В результате выполнения курсовой работы </a:t>
+            </a:r>
+            <a:r>
               <a:rPr lang="ru-RU" dirty="0" smtClean="0">
                 <a:latin typeface="Segoe UI Light" panose="020B0502040204020203" pitchFamily="34" charset="0"/>
               </a:rPr>
-              <a:t>Количество написанных классов: 11 классов.</a:t>
-            </a:r>
-          </a:p>
-          <a:p>
-            <a:pPr algn="just">
-              <a:tabLst>
-                <a:tab pos="12015788" algn="l"/>
-              </a:tabLst>
-            </a:pPr>
+              <a:t>был разработан программный продукт, позволяющий автоматизировать прохождение тестирования на умение составлять логические выражения. </a:t>
+            </a:r>
+            <a:r>
+              <a:rPr lang="ru-RU" dirty="0">
+                <a:latin typeface="Segoe UI Light" panose="020B0502040204020203" pitchFamily="34" charset="0"/>
+              </a:rPr>
+              <a:t>Программа предназначается для </a:t>
+            </a:r>
             <a:r>
               <a:rPr lang="ru-RU" dirty="0" smtClean="0">
                 <a:latin typeface="Segoe UI Light" panose="020B0502040204020203" pitchFamily="34" charset="0"/>
               </a:rPr>
-              <a:t>Количество модифицированных классов: 5 классов.</a:t>
-            </a:r>
-            <a:endParaRPr lang="ru-RU" dirty="0" smtClean="0">
-              <a:latin typeface="Segoe UI Light" panose="020B0502040204020203" pitchFamily="34" charset="0"/>
-            </a:endParaRPr>
-          </a:p>
-          <a:p>
-            <a:pPr algn="just">
-              <a:tabLst>
-                <a:tab pos="12015788" algn="l"/>
-              </a:tabLst>
-            </a:pPr>
-            <a:r>
-              <a:rPr lang="ru-RU" dirty="0" smtClean="0">
-                <a:latin typeface="Segoe UI Light" panose="020B0502040204020203" pitchFamily="34" charset="0"/>
-              </a:rPr>
-              <a:t>Количество окон: 5 окон.</a:t>
-            </a:r>
-          </a:p>
-          <a:p>
-            <a:pPr algn="just">
-              <a:tabLst>
-                <a:tab pos="12015788" algn="l"/>
-              </a:tabLst>
-            </a:pPr>
-            <a:r>
-              <a:rPr lang="ru-RU" dirty="0" smtClean="0">
-                <a:latin typeface="Segoe UI Light" panose="020B0502040204020203" pitchFamily="34" charset="0"/>
-              </a:rPr>
-              <a:t>Количество строк кода: </a:t>
-            </a:r>
-            <a:r>
-              <a:rPr lang="en-US" dirty="0" smtClean="0">
-                <a:latin typeface="Segoe UI Light" panose="020B0502040204020203" pitchFamily="34" charset="0"/>
-              </a:rPr>
-              <a:t>~1600</a:t>
-            </a:r>
-            <a:r>
-              <a:rPr lang="ru-RU" dirty="0" smtClean="0">
-                <a:latin typeface="Segoe UI Light" panose="020B0502040204020203" pitchFamily="34" charset="0"/>
-              </a:rPr>
-              <a:t> строк</a:t>
-            </a:r>
-            <a:r>
-              <a:rPr lang="ru-RU" dirty="0" smtClean="0">
-                <a:latin typeface="Segoe UI Light" panose="020B0502040204020203" pitchFamily="34" charset="0"/>
-              </a:rPr>
-              <a:t>.</a:t>
-            </a:r>
-          </a:p>
-          <a:p>
-            <a:pPr algn="just">
-              <a:tabLst>
-                <a:tab pos="12015788" algn="l"/>
-              </a:tabLst>
-            </a:pPr>
-            <a:r>
-              <a:rPr lang="ru-RU" dirty="0" smtClean="0">
-                <a:latin typeface="Segoe UI Light" panose="020B0502040204020203" pitchFamily="34" charset="0"/>
-              </a:rPr>
-              <a:t>Общее количество методов: 22 метода.</a:t>
+              <a:t>упрощения проведения тестирования, а также упрощения составления заданий для данного теста.</a:t>
             </a:r>
             <a:endParaRPr lang="ru-RU" dirty="0">
               <a:latin typeface="Segoe UI Light" panose="020B0502040204020203" pitchFamily="34" charset="0"/>
@@ -4229,155 +4002,6 @@
             <a:fld id="{DEA8D45E-F98B-4CD6-BDE3-30A25F9684FB}" type="slidenum">
               <a:rPr lang="ru-RU" smtClean="0"/>
               <a:t>11</a:t>
-            </a:fld>
-            <a:endParaRPr lang="ru-RU"/>
-          </a:p>
-        </p:txBody>
-      </p:sp>
-    </p:spTree>
-    <p:extLst>
-      <p:ext uri="{BB962C8B-B14F-4D97-AF65-F5344CB8AC3E}">
-        <p14:creationId xmlns:p14="http://schemas.microsoft.com/office/powerpoint/2010/main" val="3483613574"/>
-      </p:ext>
-    </p:extLst>
-  </p:cSld>
-  <p:clrMapOvr>
-    <a:masterClrMapping/>
-  </p:clrMapOvr>
-  <p:timing>
-    <p:tnLst>
-      <p:par>
-        <p:cTn id="1" dur="indefinite" restart="never" nodeType="tmRoot"/>
-      </p:par>
-    </p:tnLst>
-  </p:timing>
-</p:sld>
-</file>
-
-<file path=ppt/slides/slide12.xml><?xml version="1.0" encoding="utf-8"?>
-<p:sld xmlns:a="http://schemas.openxmlformats.org/drawingml/2006/main" xmlns:r="http://schemas.openxmlformats.org/officeDocument/2006/relationships" xmlns:p="http://schemas.openxmlformats.org/presentationml/2006/main">
-  <p:cSld>
-    <p:spTree>
-      <p:nvGrpSpPr>
-        <p:cNvPr id="1" name=""/>
-        <p:cNvGrpSpPr/>
-        <p:nvPr/>
-      </p:nvGrpSpPr>
-      <p:grpSpPr>
-        <a:xfrm>
-          <a:off x="0" y="0"/>
-          <a:ext cx="0" cy="0"/>
-          <a:chOff x="0" y="0"/>
-          <a:chExt cx="0" cy="0"/>
-        </a:xfrm>
-      </p:grpSpPr>
-      <p:sp>
-        <p:nvSpPr>
-          <p:cNvPr id="2" name="Заголовок 1"/>
-          <p:cNvSpPr>
-            <a:spLocks noGrp="1"/>
-          </p:cNvSpPr>
-          <p:nvPr>
-            <p:ph type="title"/>
-          </p:nvPr>
-        </p:nvSpPr>
-        <p:spPr>
-          <a:xfrm>
-            <a:off x="0" y="0"/>
-            <a:ext cx="12192000" cy="1325563"/>
-          </a:xfrm>
-        </p:spPr>
-        <p:txBody>
-          <a:bodyPr/>
-          <a:lstStyle/>
-          <a:p>
-            <a:pPr algn="ctr"/>
-            <a:r>
-              <a:rPr lang="ru-RU" dirty="0" smtClean="0">
-                <a:latin typeface="Segoe UI Light" panose="020B0502040204020203" pitchFamily="34" charset="0"/>
-              </a:rPr>
-              <a:t>Заключение</a:t>
-            </a:r>
-            <a:endParaRPr lang="ru-RU" dirty="0">
-              <a:latin typeface="Segoe UI Light" panose="020B0502040204020203" pitchFamily="34" charset="0"/>
-            </a:endParaRPr>
-          </a:p>
-        </p:txBody>
-      </p:sp>
-      <p:sp>
-        <p:nvSpPr>
-          <p:cNvPr id="3" name="Объект 2"/>
-          <p:cNvSpPr>
-            <a:spLocks noGrp="1"/>
-          </p:cNvSpPr>
-          <p:nvPr>
-            <p:ph idx="1"/>
-          </p:nvPr>
-        </p:nvSpPr>
-        <p:spPr>
-          <a:xfrm>
-            <a:off x="1195387" y="1868488"/>
-            <a:ext cx="9801226" cy="3803650"/>
-          </a:xfrm>
-        </p:spPr>
-        <p:txBody>
-          <a:bodyPr/>
-          <a:lstStyle/>
-          <a:p>
-            <a:pPr marL="0" indent="357188" algn="just">
-              <a:buNone/>
-              <a:tabLst>
-                <a:tab pos="12015788" algn="l"/>
-              </a:tabLst>
-            </a:pPr>
-            <a:r>
-              <a:rPr lang="ru-RU" dirty="0">
-                <a:latin typeface="Segoe UI Light" panose="020B0502040204020203" pitchFamily="34" charset="0"/>
-              </a:rPr>
-              <a:t>В результате выполнения курсовой работы </a:t>
-            </a:r>
-            <a:r>
-              <a:rPr lang="ru-RU" dirty="0" smtClean="0">
-                <a:latin typeface="Segoe UI Light" panose="020B0502040204020203" pitchFamily="34" charset="0"/>
-              </a:rPr>
-              <a:t>был разработан программный продукт, позволяющий автоматизировать прохождение тестирования на умение составлять логические выражения. </a:t>
-            </a:r>
-            <a:r>
-              <a:rPr lang="ru-RU" dirty="0">
-                <a:latin typeface="Segoe UI Light" panose="020B0502040204020203" pitchFamily="34" charset="0"/>
-              </a:rPr>
-              <a:t>Программа предназначается для </a:t>
-            </a:r>
-            <a:r>
-              <a:rPr lang="ru-RU" dirty="0" smtClean="0">
-                <a:latin typeface="Segoe UI Light" panose="020B0502040204020203" pitchFamily="34" charset="0"/>
-              </a:rPr>
-              <a:t>упрощения проведения тестирования, а также упрощения составления заданий для данного теста.</a:t>
-            </a:r>
-            <a:endParaRPr lang="ru-RU" dirty="0">
-              <a:latin typeface="Segoe UI Light" panose="020B0502040204020203" pitchFamily="34" charset="0"/>
-            </a:endParaRPr>
-          </a:p>
-        </p:txBody>
-      </p:sp>
-      <p:sp>
-        <p:nvSpPr>
-          <p:cNvPr id="4" name="Номер слайда 3"/>
-          <p:cNvSpPr>
-            <a:spLocks noGrp="1"/>
-          </p:cNvSpPr>
-          <p:nvPr>
-            <p:ph type="sldNum" sz="quarter" idx="12"/>
-          </p:nvPr>
-        </p:nvSpPr>
-        <p:spPr/>
-        <p:txBody>
-          <a:bodyPr/>
-          <a:lstStyle/>
-          <a:p>
-            <a:fld id="{DEA8D45E-F98B-4CD6-BDE3-30A25F9684FB}" type="slidenum">
-              <a:rPr lang="ru-RU" smtClean="0"/>
-              <a:t>12</a:t>
             </a:fld>
             <a:endParaRPr lang="ru-RU"/>
           </a:p>
@@ -4868,19 +4492,7 @@
               <a:rPr lang="ru-RU" dirty="0" smtClean="0">
                 <a:latin typeface="Segoe UI Light" panose="020B0502040204020203" pitchFamily="34" charset="0"/>
               </a:rPr>
-              <a:t> Назначение заключается в снижении нагрузки на преподавателя при составлении и проверки заданий, </a:t>
-            </a:r>
-            <a:r>
-              <a:rPr lang="ru-RU" dirty="0" smtClean="0">
-                <a:latin typeface="Segoe UI Light" panose="020B0502040204020203" pitchFamily="34" charset="0"/>
-              </a:rPr>
-              <a:t>а </a:t>
-            </a:r>
-            <a:r>
-              <a:rPr lang="ru-RU" dirty="0" smtClean="0">
-                <a:latin typeface="Segoe UI Light" panose="020B0502040204020203" pitchFamily="34" charset="0"/>
-              </a:rPr>
-              <a:t>также проведении тестирования учащихся.</a:t>
+              <a:t> Назначение заключается в снижении нагрузки на преподавателя при составлении и проверки заданий, а также проведении тестирования учащихся.</a:t>
             </a:r>
             <a:endParaRPr lang="ru-RU" dirty="0">
               <a:latin typeface="Segoe UI Light" panose="020B0502040204020203" pitchFamily="34" charset="0"/>
@@ -5070,13 +4682,7 @@
               <a:rPr lang="ru-RU" dirty="0" smtClean="0">
                 <a:latin typeface="Segoe UI Light" panose="020B0502040204020203" pitchFamily="34" charset="0"/>
               </a:rPr>
-              <a:t>Пройти </a:t>
-            </a:r>
-            <a:r>
-              <a:rPr lang="ru-RU" dirty="0" smtClean="0">
-                <a:latin typeface="Segoe UI Light" panose="020B0502040204020203" pitchFamily="34" charset="0"/>
-              </a:rPr>
-              <a:t>тест</a:t>
+              <a:t>Пройти тест</a:t>
             </a:r>
             <a:endParaRPr lang="ru-RU" dirty="0">
               <a:latin typeface="Segoe UI Light" panose="020B0502040204020203" pitchFamily="34" charset="0"/>
@@ -5110,13 +4716,7 @@
               <a:rPr lang="ru-RU" dirty="0" smtClean="0">
                 <a:latin typeface="Segoe UI Light" panose="020B0502040204020203" pitchFamily="34" charset="0"/>
               </a:rPr>
-              <a:t>Просмотреть </a:t>
-            </a:r>
-            <a:r>
-              <a:rPr lang="ru-RU" dirty="0" smtClean="0">
-                <a:latin typeface="Segoe UI Light" panose="020B0502040204020203" pitchFamily="34" charset="0"/>
-              </a:rPr>
-              <a:t>инструкцию</a:t>
+              <a:t>Просмотреть инструкцию</a:t>
             </a:r>
             <a:endParaRPr lang="ru-RU" dirty="0">
               <a:latin typeface="Segoe UI Light" panose="020B0502040204020203" pitchFamily="34" charset="0"/>
@@ -5295,13 +4895,7 @@
               <a:rPr lang="ru-RU" sz="3000" dirty="0" smtClean="0">
                 <a:latin typeface="Segoe UI Light" panose="020B0502040204020203" pitchFamily="34" charset="0"/>
               </a:rPr>
-              <a:t>ФИО </a:t>
-            </a:r>
-            <a:r>
-              <a:rPr lang="ru-RU" sz="3000" dirty="0" smtClean="0">
-                <a:latin typeface="Segoe UI Light" panose="020B0502040204020203" pitchFamily="34" charset="0"/>
-              </a:rPr>
-              <a:t>испытуемого (текст)</a:t>
+              <a:t>ФИО испытуемого (текст)</a:t>
             </a:r>
           </a:p>
           <a:p>
@@ -5316,23 +4910,8 @@
               <a:rPr lang="ru-RU" sz="3000" dirty="0" smtClean="0">
                 <a:latin typeface="Segoe UI Light" panose="020B0502040204020203" pitchFamily="34" charset="0"/>
               </a:rPr>
-              <a:t>база </a:t>
-            </a:r>
-            <a:r>
-              <a:rPr lang="ru-RU" sz="3000" dirty="0" smtClean="0">
-                <a:latin typeface="Segoe UI Light" panose="020B0502040204020203" pitchFamily="34" charset="0"/>
-              </a:rPr>
-              <a:t>с шаблонами заданий (XML </a:t>
-            </a:r>
-            <a:r>
-              <a:rPr lang="ru-RU" sz="3000" dirty="0" smtClean="0">
-                <a:latin typeface="Segoe UI Light" panose="020B0502040204020203" pitchFamily="34" charset="0"/>
-              </a:rPr>
-              <a:t>файл);</a:t>
-            </a:r>
-            <a:endParaRPr lang="ru-RU" sz="3000" dirty="0" smtClean="0">
-              <a:latin typeface="Segoe UI Light" panose="020B0502040204020203" pitchFamily="34" charset="0"/>
-            </a:endParaRPr>
+              <a:t>база с шаблонами заданий (XML файл);</a:t>
+            </a:r>
           </a:p>
           <a:p>
             <a:pPr marL="357188" indent="28575" algn="just">
@@ -5346,13 +4925,7 @@
               <a:rPr lang="ru-RU" sz="3000" dirty="0" smtClean="0">
                 <a:latin typeface="Segoe UI Light" panose="020B0502040204020203" pitchFamily="34" charset="0"/>
               </a:rPr>
-              <a:t>ответы </a:t>
-            </a:r>
-            <a:r>
-              <a:rPr lang="ru-RU" sz="3000" dirty="0" smtClean="0">
-                <a:latin typeface="Segoe UI Light" panose="020B0502040204020203" pitchFamily="34" charset="0"/>
-              </a:rPr>
-              <a:t>пользователя (строка, отвечающая требованиям корректности ввода – логическое выражение на Си подобном языке).</a:t>
+              <a:t>ответы пользователя (строка, отвечающая требованиям корректности ввода – логическое выражение на Си подобном языке).</a:t>
             </a:r>
           </a:p>
           <a:p>
@@ -5630,7 +5203,18 @@
               <a:rPr lang="ru-RU" dirty="0" smtClean="0">
                 <a:latin typeface="Segoe UI Light" panose="020B0502040204020203" pitchFamily="34" charset="0"/>
               </a:rPr>
-              <a:t>Диаграмма классов</a:t>
+              <a:t>Требования к техническому и </a:t>
+            </a:r>
+            <a:br>
+              <a:rPr lang="ru-RU" dirty="0" smtClean="0">
+                <a:latin typeface="Segoe UI Light" panose="020B0502040204020203" pitchFamily="34" charset="0"/>
+              </a:rPr>
+            </a:br>
+            <a:r>
+              <a:rPr lang="ru-RU" dirty="0" smtClean="0">
+                <a:latin typeface="Segoe UI Light" panose="020B0502040204020203" pitchFamily="34" charset="0"/>
+              </a:rPr>
+              <a:t>программному обеспечению</a:t>
             </a:r>
             <a:endParaRPr lang="ru-RU" dirty="0">
               <a:latin typeface="Segoe UI Light" panose="020B0502040204020203" pitchFamily="34" charset="0"/>
@@ -5650,23 +5234,195 @@
         </p:nvSpPr>
         <p:spPr>
           <a:xfrm>
-            <a:off x="1195387" y="1868488"/>
-            <a:ext cx="9801226" cy="3803650"/>
+            <a:off x="652462" y="1632346"/>
+            <a:ext cx="10887075" cy="4417220"/>
           </a:xfrm>
         </p:spPr>
         <p:txBody>
-          <a:bodyPr/>
+          <a:bodyPr>
+            <a:noAutofit/>
+          </a:bodyPr>
           <a:lstStyle/>
           <a:p>
             <a:pPr marL="0" indent="357188" algn="just">
               <a:buNone/>
+              <a:tabLst>
+                <a:tab pos="0" algn="l"/>
+                <a:tab pos="12015788" algn="l"/>
+              </a:tabLst>
+            </a:pPr>
+            <a:r>
+              <a:rPr lang="ru-RU" dirty="0" smtClean="0">
+                <a:latin typeface="Segoe UI Light" panose="020B0502040204020203" pitchFamily="34" charset="0"/>
+              </a:rPr>
+              <a:t>Технические требования:</a:t>
+            </a:r>
+            <a:endParaRPr lang="en-US" dirty="0" smtClean="0">
+              <a:latin typeface="Segoe UI Light" panose="020B0502040204020203" pitchFamily="34" charset="0"/>
+            </a:endParaRPr>
+          </a:p>
+          <a:p>
+            <a:pPr marL="628650" algn="just">
               <a:tabLst>
                 <a:tab pos="12015788" algn="l"/>
               </a:tabLst>
             </a:pPr>
-            <a:endParaRPr lang="ru-RU" dirty="0">
+            <a:r>
+              <a:rPr lang="ru-RU" dirty="0" smtClean="0">
+                <a:latin typeface="Segoe UI Light" panose="020B0502040204020203" pitchFamily="34" charset="0"/>
+              </a:rPr>
+              <a:t>Процессор </a:t>
+            </a:r>
+            <a:r>
+              <a:rPr lang="ru-RU" dirty="0">
+                <a:latin typeface="Segoe UI Light" panose="020B0502040204020203" pitchFamily="34" charset="0"/>
+              </a:rPr>
+              <a:t>с частотой 1,6 ГГц или выше</a:t>
+            </a:r>
+          </a:p>
+          <a:p>
+            <a:pPr marL="628650" algn="just">
+              <a:tabLst>
+                <a:tab pos="12015788" algn="l"/>
+              </a:tabLst>
+            </a:pPr>
+            <a:r>
+              <a:rPr lang="ru-RU" dirty="0" smtClean="0">
+                <a:latin typeface="Segoe UI Light" panose="020B0502040204020203" pitchFamily="34" charset="0"/>
+              </a:rPr>
+              <a:t>512 </a:t>
+            </a:r>
+            <a:r>
+              <a:rPr lang="ru-RU" dirty="0">
+                <a:latin typeface="Segoe UI Light" panose="020B0502040204020203" pitchFamily="34" charset="0"/>
+              </a:rPr>
+              <a:t>МБ ОЗУ</a:t>
+            </a:r>
+          </a:p>
+          <a:p>
+            <a:pPr marL="628650" algn="just">
+              <a:tabLst>
+                <a:tab pos="12015788" algn="l"/>
+              </a:tabLst>
+            </a:pPr>
+            <a:r>
+              <a:rPr lang="ru-RU" dirty="0" smtClean="0">
+                <a:latin typeface="Segoe UI Light" panose="020B0502040204020203" pitchFamily="34" charset="0"/>
+              </a:rPr>
+              <a:t>128 </a:t>
+            </a:r>
+            <a:r>
+              <a:rPr lang="ru-RU" dirty="0">
+                <a:latin typeface="Segoe UI Light" panose="020B0502040204020203" pitchFamily="34" charset="0"/>
+              </a:rPr>
+              <a:t>MБ свободного места на диске</a:t>
+            </a:r>
+          </a:p>
+          <a:p>
+            <a:pPr marL="628650" algn="just">
+              <a:tabLst>
+                <a:tab pos="12015788" algn="l"/>
+              </a:tabLst>
+            </a:pPr>
+            <a:r>
+              <a:rPr lang="ru-RU" dirty="0" smtClean="0">
+                <a:latin typeface="Segoe UI Light" panose="020B0502040204020203" pitchFamily="34" charset="0"/>
+              </a:rPr>
+              <a:t>Жесткий </a:t>
+            </a:r>
+            <a:r>
+              <a:rPr lang="ru-RU" dirty="0">
+                <a:latin typeface="Segoe UI Light" panose="020B0502040204020203" pitchFamily="34" charset="0"/>
+              </a:rPr>
+              <a:t>диск</a:t>
+            </a:r>
+          </a:p>
+          <a:p>
+            <a:pPr marL="628650" algn="just">
+              <a:tabLst>
+                <a:tab pos="12015788" algn="l"/>
+              </a:tabLst>
+            </a:pPr>
+            <a:r>
+              <a:rPr lang="ru-RU" dirty="0" smtClean="0">
+                <a:latin typeface="Segoe UI Light" panose="020B0502040204020203" pitchFamily="34" charset="0"/>
+              </a:rPr>
+              <a:t>Дисковод </a:t>
+            </a:r>
+            <a:r>
+              <a:rPr lang="ru-RU" dirty="0">
+                <a:latin typeface="Segoe UI Light" panose="020B0502040204020203" pitchFamily="34" charset="0"/>
+              </a:rPr>
+              <a:t>CD-ROM/DVD-ROM</a:t>
+            </a:r>
+          </a:p>
+          <a:p>
+            <a:pPr marL="0" indent="357188" algn="just">
+              <a:buNone/>
+              <a:tabLst>
+                <a:tab pos="12015788" algn="l"/>
+              </a:tabLst>
+            </a:pPr>
+            <a:endParaRPr lang="ru-RU" dirty="0" smtClean="0">
               <a:latin typeface="Segoe UI Light" panose="020B0502040204020203" pitchFamily="34" charset="0"/>
             </a:endParaRPr>
+          </a:p>
+          <a:p>
+            <a:pPr marL="0" indent="357188" algn="just">
+              <a:buNone/>
+              <a:tabLst>
+                <a:tab pos="12015788" algn="l"/>
+              </a:tabLst>
+            </a:pPr>
+            <a:r>
+              <a:rPr lang="ru-RU" dirty="0" smtClean="0">
+                <a:latin typeface="Segoe UI Light" panose="020B0502040204020203" pitchFamily="34" charset="0"/>
+              </a:rPr>
+              <a:t>Программные требования:</a:t>
+            </a:r>
+          </a:p>
+          <a:p>
+            <a:pPr marL="628650" algn="just">
+              <a:tabLst>
+                <a:tab pos="12015788" algn="l"/>
+              </a:tabLst>
+            </a:pPr>
+            <a:r>
+              <a:rPr lang="ru-RU" dirty="0" smtClean="0">
+                <a:latin typeface="Segoe UI Light" panose="020B0502040204020203" pitchFamily="34" charset="0"/>
+              </a:rPr>
+              <a:t>операционная </a:t>
+            </a:r>
+            <a:r>
+              <a:rPr lang="ru-RU" dirty="0">
+                <a:latin typeface="Segoe UI Light" panose="020B0502040204020203" pitchFamily="34" charset="0"/>
+              </a:rPr>
+              <a:t>система: </a:t>
+            </a:r>
+            <a:r>
+              <a:rPr lang="ru-RU" dirty="0" err="1">
+                <a:latin typeface="Segoe UI Light" panose="020B0502040204020203" pitchFamily="34" charset="0"/>
+              </a:rPr>
+              <a:t>Microsoft</a:t>
+            </a:r>
+            <a:r>
+              <a:rPr lang="ru-RU" dirty="0">
+                <a:latin typeface="Segoe UI Light" panose="020B0502040204020203" pitchFamily="34" charset="0"/>
+              </a:rPr>
+              <a:t> </a:t>
+            </a:r>
+            <a:r>
+              <a:rPr lang="ru-RU" dirty="0" err="1">
+                <a:latin typeface="Segoe UI Light" panose="020B0502040204020203" pitchFamily="34" charset="0"/>
+              </a:rPr>
+              <a:t>Windows</a:t>
+            </a:r>
+            <a:r>
+              <a:rPr lang="ru-RU" dirty="0">
+                <a:latin typeface="Segoe UI Light" panose="020B0502040204020203" pitchFamily="34" charset="0"/>
+              </a:rPr>
+              <a:t> XP с пакетом обновлений 3(SP3) или старше.</a:t>
+            </a:r>
           </a:p>
         </p:txBody>
       </p:sp>
@@ -5696,7 +5452,7 @@
     </p:spTree>
     <p:extLst>
       <p:ext uri="{BB962C8B-B14F-4D97-AF65-F5344CB8AC3E}">
-        <p14:creationId xmlns:p14="http://schemas.microsoft.com/office/powerpoint/2010/main" val="2587540070"/>
+        <p14:creationId xmlns:p14="http://schemas.microsoft.com/office/powerpoint/2010/main" val="235309817"/>
       </p:ext>
     </p:extLst>
   </p:cSld>
@@ -5755,18 +5511,7 @@
               <a:rPr lang="ru-RU" dirty="0" smtClean="0">
                 <a:latin typeface="Segoe UI Light" panose="020B0502040204020203" pitchFamily="34" charset="0"/>
               </a:rPr>
-              <a:t>Требования к техническому и </a:t>
-            </a:r>
-            <a:br>
-              <a:rPr lang="ru-RU" dirty="0" smtClean="0">
-                <a:latin typeface="Segoe UI Light" panose="020B0502040204020203" pitchFamily="34" charset="0"/>
-              </a:rPr>
-            </a:br>
-            <a:r>
-              <a:rPr lang="ru-RU" dirty="0" smtClean="0">
-                <a:latin typeface="Segoe UI Light" panose="020B0502040204020203" pitchFamily="34" charset="0"/>
-              </a:rPr>
-              <a:t>программному обеспечению</a:t>
+              <a:t>Средства разработки</a:t>
             </a:r>
             <a:endParaRPr lang="ru-RU" dirty="0">
               <a:latin typeface="Segoe UI Light" panose="020B0502040204020203" pitchFamily="34" charset="0"/>
@@ -5786,35 +5531,17 @@
         </p:nvSpPr>
         <p:spPr>
           <a:xfrm>
-            <a:off x="652462" y="1632346"/>
-            <a:ext cx="10887075" cy="4417220"/>
+            <a:off x="1195387" y="1868488"/>
+            <a:ext cx="9801226" cy="4318000"/>
           </a:xfrm>
         </p:spPr>
         <p:txBody>
           <a:bodyPr>
-            <a:noAutofit/>
+            <a:normAutofit lnSpcReduction="10000"/>
           </a:bodyPr>
           <a:lstStyle/>
           <a:p>
-            <a:pPr marL="0" indent="357188" algn="just">
-              <a:buNone/>
-              <a:tabLst>
-                <a:tab pos="0" algn="l"/>
-                <a:tab pos="12015788" algn="l"/>
-              </a:tabLst>
-            </a:pPr>
-            <a:r>
-              <a:rPr lang="ru-RU" dirty="0" smtClean="0">
-                <a:latin typeface="Segoe UI Light" panose="020B0502040204020203" pitchFamily="34" charset="0"/>
-              </a:rPr>
-              <a:t>Технические требования:</a:t>
-            </a:r>
-            <a:endParaRPr lang="en-US" dirty="0" smtClean="0">
-              <a:latin typeface="Segoe UI Light" panose="020B0502040204020203" pitchFamily="34" charset="0"/>
-            </a:endParaRPr>
-          </a:p>
-          <a:p>
-            <a:pPr marL="628650" algn="just">
+            <a:pPr algn="just">
               <a:tabLst>
                 <a:tab pos="12015788" algn="l"/>
               </a:tabLst>
@@ -5823,17 +5550,44 @@
               <a:rPr lang="ru-RU" dirty="0" smtClean="0">
                 <a:latin typeface="Segoe UI Light" panose="020B0502040204020203" pitchFamily="34" charset="0"/>
               </a:rPr>
-              <a:t>Процессор </a:t>
+              <a:t>ОС: </a:t>
+            </a:r>
+            <a:r>
+              <a:rPr lang="ru-RU" dirty="0" err="1">
+                <a:latin typeface="Segoe UI Light" panose="020B0502040204020203" pitchFamily="34" charset="0"/>
+              </a:rPr>
+              <a:t>Microsoft</a:t>
             </a:r>
             <a:r>
               <a:rPr lang="ru-RU" dirty="0">
                 <a:latin typeface="Segoe UI Light" panose="020B0502040204020203" pitchFamily="34" charset="0"/>
               </a:rPr>
-              <a:t>с частотой 1,6 ГГц или выше</a:t>
-            </a:r>
-          </a:p>
-          <a:p>
-            <a:pPr marL="628650" algn="just">
+              <a:t> </a:t>
+            </a:r>
+            <a:r>
+              <a:rPr lang="ru-RU" dirty="0" err="1">
+                <a:latin typeface="Segoe UI Light" panose="020B0502040204020203" pitchFamily="34" charset="0"/>
+              </a:rPr>
+              <a:t>Windows</a:t>
+            </a:r>
+            <a:r>
+              <a:rPr lang="ru-RU" dirty="0">
+                <a:latin typeface="Segoe UI Light" panose="020B0502040204020203" pitchFamily="34" charset="0"/>
+              </a:rPr>
+              <a:t> 7 </a:t>
+            </a:r>
+            <a:r>
+              <a:rPr lang="en-US" dirty="0" smtClean="0">
+                <a:latin typeface="Segoe UI Light" panose="020B0502040204020203" pitchFamily="34" charset="0"/>
+              </a:rPr>
+              <a:t>Professional.</a:t>
+            </a:r>
+            <a:endParaRPr lang="ru-RU" dirty="0">
+              <a:latin typeface="Segoe UI Light" panose="020B0502040204020203" pitchFamily="34" charset="0"/>
+            </a:endParaRPr>
+          </a:p>
+          <a:p>
+            <a:pPr algn="just">
               <a:tabLst>
                 <a:tab pos="12015788" algn="l"/>
               </a:tabLst>
@@ -5842,17 +5596,20 @@
               <a:rPr lang="ru-RU" dirty="0" smtClean="0">
                 <a:latin typeface="Segoe UI Light" panose="020B0502040204020203" pitchFamily="34" charset="0"/>
               </a:rPr>
-              <a:t>512 </a:t>
-            </a:r>
-            <a:r>
-              <a:rPr lang="ru-RU" dirty="0">
-                <a:latin typeface="Segoe UI Light" panose="020B0502040204020203" pitchFamily="34" charset="0"/>
-              </a:rPr>
-              <a:t>МБ ОЗУ</a:t>
-            </a:r>
-          </a:p>
-          <a:p>
-            <a:pPr marL="628650" algn="just">
+              <a:t>Среда разработки: </a:t>
+            </a:r>
+            <a:r>
+              <a:rPr lang="en-US" dirty="0" smtClean="0">
+                <a:latin typeface="Segoe UI Light" panose="020B0502040204020203" pitchFamily="34" charset="0"/>
+              </a:rPr>
+              <a:t>Visual Studio Professional 2013.</a:t>
+            </a:r>
+            <a:endParaRPr lang="ru-RU" dirty="0">
+              <a:latin typeface="Segoe UI Light" panose="020B0502040204020203" pitchFamily="34" charset="0"/>
+            </a:endParaRPr>
+          </a:p>
+          <a:p>
+            <a:pPr algn="just">
               <a:tabLst>
                 <a:tab pos="12015788" algn="l"/>
               </a:tabLst>
@@ -5861,17 +5618,17 @@
               <a:rPr lang="ru-RU" dirty="0" smtClean="0">
                 <a:latin typeface="Segoe UI Light" panose="020B0502040204020203" pitchFamily="34" charset="0"/>
               </a:rPr>
-              <a:t>128 </a:t>
-            </a:r>
-            <a:r>
-              <a:rPr lang="ru-RU" dirty="0">
-                <a:latin typeface="Segoe UI Light" panose="020B0502040204020203" pitchFamily="34" charset="0"/>
-              </a:rPr>
-              <a:t>MБ свободного места на диске</a:t>
-            </a:r>
-          </a:p>
-          <a:p>
-            <a:pPr marL="628650" algn="just">
+              <a:t>Язык программирования: </a:t>
+            </a:r>
+            <a:r>
+              <a:rPr lang="en-US" dirty="0" smtClean="0">
+                <a:latin typeface="Segoe UI Light" panose="020B0502040204020203" pitchFamily="34" charset="0"/>
+              </a:rPr>
+              <a:t>C#.</a:t>
+            </a:r>
+          </a:p>
+          <a:p>
+            <a:pPr algn="just">
               <a:tabLst>
                 <a:tab pos="12015788" algn="l"/>
               </a:tabLst>
@@ -5880,17 +5637,29 @@
               <a:rPr lang="ru-RU" dirty="0" smtClean="0">
                 <a:latin typeface="Segoe UI Light" panose="020B0502040204020203" pitchFamily="34" charset="0"/>
               </a:rPr>
-              <a:t>Жесткий </a:t>
-            </a:r>
-            <a:r>
-              <a:rPr lang="ru-RU" dirty="0">
-                <a:latin typeface="Segoe UI Light" panose="020B0502040204020203" pitchFamily="34" charset="0"/>
-              </a:rPr>
-              <a:t>диск</a:t>
-            </a:r>
-          </a:p>
-          <a:p>
-            <a:pPr marL="628650" algn="just">
+              <a:t>Платформа: </a:t>
+            </a:r>
+            <a:r>
+              <a:rPr lang="en-US" dirty="0">
+                <a:latin typeface="Segoe UI Light" panose="020B0502040204020203" pitchFamily="34" charset="0"/>
+              </a:rPr>
+              <a:t>.NET Framework </a:t>
+            </a:r>
+            <a:r>
+              <a:rPr lang="en-US" dirty="0" smtClean="0">
+                <a:latin typeface="Segoe UI Light" panose="020B0502040204020203" pitchFamily="34" charset="0"/>
+              </a:rPr>
+              <a:t>3.5</a:t>
+            </a:r>
+            <a:r>
+              <a:rPr lang="ru-RU" dirty="0" smtClean="0">
+                <a:latin typeface="Segoe UI Light" panose="020B0502040204020203" pitchFamily="34" charset="0"/>
+              </a:rPr>
+              <a:t>.</a:t>
+            </a:r>
+          </a:p>
+          <a:p>
+            <a:pPr algn="just">
               <a:tabLst>
                 <a:tab pos="12015788" algn="l"/>
               </a:tabLst>
@@ -5899,81 +5668,123 @@
               <a:rPr lang="ru-RU" dirty="0" smtClean="0">
                 <a:latin typeface="Segoe UI Light" panose="020B0502040204020203" pitchFamily="34" charset="0"/>
               </a:rPr>
-              <a:t>Дисковод </a:t>
+              <a:t>Средство </a:t>
             </a:r>
             <a:r>
               <a:rPr lang="ru-RU" dirty="0">
                 <a:latin typeface="Segoe UI Light" panose="020B0502040204020203" pitchFamily="34" charset="0"/>
               </a:rPr>
-              <a:t>CD-ROM/DVD-ROM</a:t>
-            </a:r>
-          </a:p>
-          <a:p>
-            <a:pPr marL="0" indent="357188" algn="just">
-              <a:buNone/>
+              <a:t>для создания </a:t>
+            </a:r>
+            <a:r>
+              <a:rPr lang="ru-RU" dirty="0" smtClean="0">
+                <a:latin typeface="Segoe UI Light" panose="020B0502040204020203" pitchFamily="34" charset="0"/>
+              </a:rPr>
+              <a:t>инсталлятора: SMART </a:t>
+            </a:r>
+            <a:r>
+              <a:rPr lang="ru-RU" dirty="0">
+                <a:latin typeface="Segoe UI Light" panose="020B0502040204020203" pitchFamily="34" charset="0"/>
+              </a:rPr>
+              <a:t>INSTALL </a:t>
+            </a:r>
+            <a:r>
+              <a:rPr lang="ru-RU" dirty="0" smtClean="0">
+                <a:latin typeface="Segoe UI Light" panose="020B0502040204020203" pitchFamily="34" charset="0"/>
+              </a:rPr>
+              <a:t>MAKER.</a:t>
+            </a:r>
+            <a:endParaRPr lang="ru-RU" dirty="0">
+              <a:latin typeface="Segoe UI Light" panose="020B0502040204020203" pitchFamily="34" charset="0"/>
+            </a:endParaRPr>
+          </a:p>
+          <a:p>
+            <a:pPr algn="just">
               <a:tabLst>
                 <a:tab pos="12015788" algn="l"/>
               </a:tabLst>
             </a:pPr>
-            <a:endParaRPr lang="ru-RU" dirty="0" smtClean="0">
+            <a:r>
+              <a:rPr lang="ru-RU" dirty="0">
+                <a:latin typeface="Segoe UI Light" panose="020B0502040204020203" pitchFamily="34" charset="0"/>
+              </a:rPr>
+              <a:t>Для создания документации использовались средства </a:t>
+            </a:r>
+            <a:r>
+              <a:rPr lang="ru-RU" dirty="0" err="1">
+                <a:latin typeface="Segoe UI Light" panose="020B0502040204020203" pitchFamily="34" charset="0"/>
+              </a:rPr>
+              <a:t>Microsoft</a:t>
+            </a:r>
+            <a:r>
+              <a:rPr lang="ru-RU" dirty="0">
+                <a:latin typeface="Segoe UI Light" panose="020B0502040204020203" pitchFamily="34" charset="0"/>
+              </a:rPr>
+              <a:t> </a:t>
+            </a:r>
+            <a:r>
+              <a:rPr lang="ru-RU" dirty="0" err="1">
+                <a:latin typeface="Segoe UI Light" panose="020B0502040204020203" pitchFamily="34" charset="0"/>
+              </a:rPr>
+              <a:t>Office</a:t>
+            </a:r>
+            <a:r>
+              <a:rPr lang="ru-RU" dirty="0">
+                <a:latin typeface="Segoe UI Light" panose="020B0502040204020203" pitchFamily="34" charset="0"/>
+              </a:rPr>
+              <a:t> </a:t>
+            </a:r>
+            <a:r>
+              <a:rPr lang="ru-RU" dirty="0" smtClean="0">
+                <a:latin typeface="Segoe UI Light" panose="020B0502040204020203" pitchFamily="34" charset="0"/>
+              </a:rPr>
+              <a:t>20</a:t>
+            </a:r>
+            <a:r>
+              <a:rPr lang="en-US" dirty="0" smtClean="0">
+                <a:latin typeface="Segoe UI Light" panose="020B0502040204020203" pitchFamily="34" charset="0"/>
+              </a:rPr>
+              <a:t>13</a:t>
+            </a:r>
+            <a:r>
+              <a:rPr lang="ru-RU" dirty="0" smtClean="0">
+                <a:latin typeface="Segoe UI Light" panose="020B0502040204020203" pitchFamily="34" charset="0"/>
+              </a:rPr>
+              <a:t>.</a:t>
+            </a:r>
+            <a:endParaRPr lang="ru-RU" dirty="0">
               <a:latin typeface="Segoe UI Light" panose="020B0502040204020203" pitchFamily="34" charset="0"/>
             </a:endParaRPr>
           </a:p>
           <a:p>
-            <a:pPr marL="0" indent="357188" algn="just">
-              <a:buNone/>
+            <a:pPr algn="just">
               <a:tabLst>
                 <a:tab pos="12015788" algn="l"/>
               </a:tabLst>
             </a:pPr>
             <a:r>
+              <a:rPr lang="ru-RU" dirty="0">
+                <a:latin typeface="Segoe UI Light" panose="020B0502040204020203" pitchFamily="34" charset="0"/>
+              </a:rPr>
+              <a:t>Для создания инструкции использовался </a:t>
+            </a:r>
+            <a:r>
+              <a:rPr lang="ru-RU" dirty="0" err="1">
+                <a:latin typeface="Segoe UI Light" panose="020B0502040204020203" pitchFamily="34" charset="0"/>
+              </a:rPr>
+              <a:t>Notepad</a:t>
+            </a:r>
+            <a:r>
+              <a:rPr lang="ru-RU" dirty="0">
+                <a:latin typeface="Segoe UI Light" panose="020B0502040204020203" pitchFamily="34" charset="0"/>
+              </a:rPr>
+              <a:t>++ версия </a:t>
+            </a:r>
+            <a:r>
               <a:rPr lang="ru-RU" dirty="0" smtClean="0">
                 <a:latin typeface="Segoe UI Light" panose="020B0502040204020203" pitchFamily="34" charset="0"/>
               </a:rPr>
-              <a:t>Программные требования:</a:t>
-            </a:r>
-          </a:p>
-          <a:p>
-            <a:pPr marL="628650" algn="just">
-              <a:tabLst>
-                <a:tab pos="12015788" algn="l"/>
-              </a:tabLst>
-            </a:pPr>
-            <a:r>
-              <a:rPr lang="ru-RU" dirty="0" smtClean="0">
-                <a:latin typeface="Segoe UI Light" panose="020B0502040204020203" pitchFamily="34" charset="0"/>
-              </a:rPr>
-              <a:t>операционная </a:t>
-            </a:r>
-            <a:r>
-              <a:rPr lang="ru-RU" dirty="0">
-                <a:latin typeface="Segoe UI Light" panose="020B0502040204020203" pitchFamily="34" charset="0"/>
-              </a:rPr>
-              <a:t>система: </a:t>
-            </a:r>
-            <a:r>
-              <a:rPr lang="ru-RU" dirty="0" err="1">
-                <a:latin typeface="Segoe UI Light" panose="020B0502040204020203" pitchFamily="34" charset="0"/>
-              </a:rPr>
-              <a:t>Microsoft</a:t>
-            </a:r>
-            <a:r>
-              <a:rPr lang="ru-RU" dirty="0">
-                <a:latin typeface="Segoe UI Light" panose="020B0502040204020203" pitchFamily="34" charset="0"/>
-              </a:rPr>
-              <a:t> </a:t>
-            </a:r>
-            <a:r>
-              <a:rPr lang="ru-RU" dirty="0" err="1">
-                <a:latin typeface="Segoe UI Light" panose="020B0502040204020203" pitchFamily="34" charset="0"/>
-              </a:rPr>
-              <a:t>Windows</a:t>
-            </a:r>
-            <a:r>
-              <a:rPr lang="ru-RU" dirty="0">
-                <a:latin typeface="Segoe UI Light" panose="020B0502040204020203" pitchFamily="34" charset="0"/>
-              </a:rPr>
-              <a:t> XP с пакетом обновлений 3(SP3) или старше.</a:t>
+              <a:t>6.5.</a:t>
             </a:r>
             <a:endParaRPr lang="ru-RU" dirty="0">
               <a:latin typeface="Segoe UI Light" panose="020B0502040204020203" pitchFamily="34" charset="0"/>
@@ -6007,7 +5818,7 @@
     </p:spTree>
     <p:extLst>
       <p:ext uri="{BB962C8B-B14F-4D97-AF65-F5344CB8AC3E}">
-        <p14:creationId xmlns:p14="http://schemas.microsoft.com/office/powerpoint/2010/main" val="235309817"/>
+        <p14:creationId xmlns:p14="http://schemas.microsoft.com/office/powerpoint/2010/main" val="3644980007"/>
       </p:ext>
     </p:extLst>
   </p:cSld>
